--- a/Video Presentation V3.pptx
+++ b/Video Presentation V3.pptx
@@ -18,6 +18,11 @@
     <p:sldId id="266" r:id="rId12"/>
     <p:sldId id="267" r:id="rId13"/>
     <p:sldId id="268" r:id="rId14"/>
+    <p:sldId id="270" r:id="rId15"/>
+    <p:sldId id="271" r:id="rId16"/>
+    <p:sldId id="272" r:id="rId17"/>
+    <p:sldId id="273" r:id="rId18"/>
+    <p:sldId id="274" r:id="rId19"/>
   </p:sldIdLst>
   <p:sldSz cx="12192000" cy="6858000"/>
   <p:notesSz cx="6858000" cy="9144000"/>
@@ -3782,6 +3787,426 @@
     <p:extLst>
       <p:ext uri="{BB962C8B-B14F-4D97-AF65-F5344CB8AC3E}">
         <p14:creationId xmlns:p14="http://schemas.microsoft.com/office/powerpoint/2010/main" val="1709177854"/>
+      </p:ext>
+    </p:extLst>
+  </p:cSld>
+  <p:clrMapOvr>
+    <a:masterClrMapping/>
+  </p:clrMapOvr>
+</p:sld>
+</file>
+
+<file path=ppt/slides/slide14.xml><?xml version="1.0" encoding="utf-8"?>
+<p:sld xmlns:a="http://schemas.openxmlformats.org/drawingml/2006/main" xmlns:r="http://schemas.openxmlformats.org/officeDocument/2006/relationships" xmlns:p="http://schemas.openxmlformats.org/presentationml/2006/main">
+  <p:cSld>
+    <p:spTree>
+      <p:nvGrpSpPr>
+        <p:cNvPr id="1" name=""/>
+        <p:cNvGrpSpPr/>
+        <p:nvPr/>
+      </p:nvGrpSpPr>
+      <p:grpSpPr>
+        <a:xfrm>
+          <a:off x="0" y="0"/>
+          <a:ext cx="0" cy="0"/>
+          <a:chOff x="0" y="0"/>
+          <a:chExt cx="0" cy="0"/>
+        </a:xfrm>
+      </p:grpSpPr>
+      <p:sp>
+        <p:nvSpPr>
+          <p:cNvPr id="2" name="Title 1">
+            <a:extLst>
+              <a:ext uri="{FF2B5EF4-FFF2-40B4-BE49-F238E27FC236}">
+                <a16:creationId xmlns:a16="http://schemas.microsoft.com/office/drawing/2014/main" id="{4568AE18-943C-4542-9CB4-296AA907D164}"/>
+              </a:ext>
+            </a:extLst>
+          </p:cNvPr>
+          <p:cNvSpPr>
+            <a:spLocks noGrp="1"/>
+          </p:cNvSpPr>
+          <p:nvPr>
+            <p:ph type="title"/>
+          </p:nvPr>
+        </p:nvSpPr>
+        <p:spPr/>
+        <p:txBody>
+          <a:bodyPr/>
+          <a:lstStyle/>
+          <a:p>
+            <a:r>
+              <a:rPr lang="en-GB" dirty="0"/>
+              <a:t>What have we learnt</a:t>
+            </a:r>
+          </a:p>
+        </p:txBody>
+      </p:sp>
+      <p:sp>
+        <p:nvSpPr>
+          <p:cNvPr id="3" name="Content Placeholder 2">
+            <a:extLst>
+              <a:ext uri="{FF2B5EF4-FFF2-40B4-BE49-F238E27FC236}">
+                <a16:creationId xmlns:a16="http://schemas.microsoft.com/office/drawing/2014/main" id="{E82B1CFB-5ABD-475F-9694-C412BD198219}"/>
+              </a:ext>
+            </a:extLst>
+          </p:cNvPr>
+          <p:cNvSpPr>
+            <a:spLocks noGrp="1"/>
+          </p:cNvSpPr>
+          <p:nvPr>
+            <p:ph idx="1"/>
+          </p:nvPr>
+        </p:nvSpPr>
+        <p:spPr/>
+        <p:txBody>
+          <a:bodyPr/>
+          <a:lstStyle/>
+          <a:p>
+            <a:endParaRPr lang="en-GB"/>
+          </a:p>
+        </p:txBody>
+      </p:sp>
+    </p:spTree>
+    <p:extLst>
+      <p:ext uri="{BB962C8B-B14F-4D97-AF65-F5344CB8AC3E}">
+        <p14:creationId xmlns:p14="http://schemas.microsoft.com/office/powerpoint/2010/main" val="3288291399"/>
+      </p:ext>
+    </p:extLst>
+  </p:cSld>
+  <p:clrMapOvr>
+    <a:masterClrMapping/>
+  </p:clrMapOvr>
+</p:sld>
+</file>
+
+<file path=ppt/slides/slide15.xml><?xml version="1.0" encoding="utf-8"?>
+<p:sld xmlns:a="http://schemas.openxmlformats.org/drawingml/2006/main" xmlns:r="http://schemas.openxmlformats.org/officeDocument/2006/relationships" xmlns:p="http://schemas.openxmlformats.org/presentationml/2006/main">
+  <p:cSld>
+    <p:spTree>
+      <p:nvGrpSpPr>
+        <p:cNvPr id="1" name=""/>
+        <p:cNvGrpSpPr/>
+        <p:nvPr/>
+      </p:nvGrpSpPr>
+      <p:grpSpPr>
+        <a:xfrm>
+          <a:off x="0" y="0"/>
+          <a:ext cx="0" cy="0"/>
+          <a:chOff x="0" y="0"/>
+          <a:chExt cx="0" cy="0"/>
+        </a:xfrm>
+      </p:grpSpPr>
+      <p:sp>
+        <p:nvSpPr>
+          <p:cNvPr id="2" name="Title 1">
+            <a:extLst>
+              <a:ext uri="{FF2B5EF4-FFF2-40B4-BE49-F238E27FC236}">
+                <a16:creationId xmlns:a16="http://schemas.microsoft.com/office/drawing/2014/main" id="{DB5B6004-BE6F-4F53-8B9C-1DD1CBC20BD1}"/>
+              </a:ext>
+            </a:extLst>
+          </p:cNvPr>
+          <p:cNvSpPr>
+            <a:spLocks noGrp="1"/>
+          </p:cNvSpPr>
+          <p:nvPr>
+            <p:ph type="title"/>
+          </p:nvPr>
+        </p:nvSpPr>
+        <p:spPr/>
+        <p:txBody>
+          <a:bodyPr/>
+          <a:lstStyle/>
+          <a:p>
+            <a:r>
+              <a:rPr lang="en-GB" dirty="0"/>
+              <a:t>Team </a:t>
+            </a:r>
+            <a:r>
+              <a:rPr lang="en-GB" dirty="0" err="1"/>
+              <a:t>dyanmics</a:t>
+            </a:r>
+            <a:endParaRPr lang="en-GB" dirty="0"/>
+          </a:p>
+        </p:txBody>
+      </p:sp>
+      <p:sp>
+        <p:nvSpPr>
+          <p:cNvPr id="3" name="Content Placeholder 2">
+            <a:extLst>
+              <a:ext uri="{FF2B5EF4-FFF2-40B4-BE49-F238E27FC236}">
+                <a16:creationId xmlns:a16="http://schemas.microsoft.com/office/drawing/2014/main" id="{77015A35-C661-46A2-97EB-6BC390EABCE2}"/>
+              </a:ext>
+            </a:extLst>
+          </p:cNvPr>
+          <p:cNvSpPr>
+            <a:spLocks noGrp="1"/>
+          </p:cNvSpPr>
+          <p:nvPr>
+            <p:ph idx="1"/>
+          </p:nvPr>
+        </p:nvSpPr>
+        <p:spPr/>
+        <p:txBody>
+          <a:bodyPr/>
+          <a:lstStyle/>
+          <a:p>
+            <a:endParaRPr lang="en-GB"/>
+          </a:p>
+        </p:txBody>
+      </p:sp>
+    </p:spTree>
+    <p:extLst>
+      <p:ext uri="{BB962C8B-B14F-4D97-AF65-F5344CB8AC3E}">
+        <p14:creationId xmlns:p14="http://schemas.microsoft.com/office/powerpoint/2010/main" val="3366717495"/>
+      </p:ext>
+    </p:extLst>
+  </p:cSld>
+  <p:clrMapOvr>
+    <a:masterClrMapping/>
+  </p:clrMapOvr>
+</p:sld>
+</file>
+
+<file path=ppt/slides/slide16.xml><?xml version="1.0" encoding="utf-8"?>
+<p:sld xmlns:a="http://schemas.openxmlformats.org/drawingml/2006/main" xmlns:r="http://schemas.openxmlformats.org/officeDocument/2006/relationships" xmlns:p="http://schemas.openxmlformats.org/presentationml/2006/main">
+  <p:cSld>
+    <p:spTree>
+      <p:nvGrpSpPr>
+        <p:cNvPr id="1" name=""/>
+        <p:cNvGrpSpPr/>
+        <p:nvPr/>
+      </p:nvGrpSpPr>
+      <p:grpSpPr>
+        <a:xfrm>
+          <a:off x="0" y="0"/>
+          <a:ext cx="0" cy="0"/>
+          <a:chOff x="0" y="0"/>
+          <a:chExt cx="0" cy="0"/>
+        </a:xfrm>
+      </p:grpSpPr>
+      <p:sp>
+        <p:nvSpPr>
+          <p:cNvPr id="2" name="Title 1">
+            <a:extLst>
+              <a:ext uri="{FF2B5EF4-FFF2-40B4-BE49-F238E27FC236}">
+                <a16:creationId xmlns:a16="http://schemas.microsoft.com/office/drawing/2014/main" id="{8A183A84-A1F2-4D35-8175-8222429B305B}"/>
+              </a:ext>
+            </a:extLst>
+          </p:cNvPr>
+          <p:cNvSpPr>
+            <a:spLocks noGrp="1"/>
+          </p:cNvSpPr>
+          <p:nvPr>
+            <p:ph type="title"/>
+          </p:nvPr>
+        </p:nvSpPr>
+        <p:spPr/>
+        <p:txBody>
+          <a:bodyPr/>
+          <a:lstStyle/>
+          <a:p>
+            <a:r>
+              <a:rPr lang="en-GB" dirty="0"/>
+              <a:t>What went well</a:t>
+            </a:r>
+          </a:p>
+        </p:txBody>
+      </p:sp>
+      <p:sp>
+        <p:nvSpPr>
+          <p:cNvPr id="3" name="Content Placeholder 2">
+            <a:extLst>
+              <a:ext uri="{FF2B5EF4-FFF2-40B4-BE49-F238E27FC236}">
+                <a16:creationId xmlns:a16="http://schemas.microsoft.com/office/drawing/2014/main" id="{7700F736-594F-4F1B-857B-E9BA3B91B935}"/>
+              </a:ext>
+            </a:extLst>
+          </p:cNvPr>
+          <p:cNvSpPr>
+            <a:spLocks noGrp="1"/>
+          </p:cNvSpPr>
+          <p:nvPr>
+            <p:ph idx="1"/>
+          </p:nvPr>
+        </p:nvSpPr>
+        <p:spPr/>
+        <p:txBody>
+          <a:bodyPr/>
+          <a:lstStyle/>
+          <a:p>
+            <a:endParaRPr lang="en-GB"/>
+          </a:p>
+        </p:txBody>
+      </p:sp>
+    </p:spTree>
+    <p:extLst>
+      <p:ext uri="{BB962C8B-B14F-4D97-AF65-F5344CB8AC3E}">
+        <p14:creationId xmlns:p14="http://schemas.microsoft.com/office/powerpoint/2010/main" val="2804858879"/>
+      </p:ext>
+    </p:extLst>
+  </p:cSld>
+  <p:clrMapOvr>
+    <a:masterClrMapping/>
+  </p:clrMapOvr>
+</p:sld>
+</file>
+
+<file path=ppt/slides/slide17.xml><?xml version="1.0" encoding="utf-8"?>
+<p:sld xmlns:a="http://schemas.openxmlformats.org/drawingml/2006/main" xmlns:r="http://schemas.openxmlformats.org/officeDocument/2006/relationships" xmlns:p="http://schemas.openxmlformats.org/presentationml/2006/main">
+  <p:cSld>
+    <p:spTree>
+      <p:nvGrpSpPr>
+        <p:cNvPr id="1" name=""/>
+        <p:cNvGrpSpPr/>
+        <p:nvPr/>
+      </p:nvGrpSpPr>
+      <p:grpSpPr>
+        <a:xfrm>
+          <a:off x="0" y="0"/>
+          <a:ext cx="0" cy="0"/>
+          <a:chOff x="0" y="0"/>
+          <a:chExt cx="0" cy="0"/>
+        </a:xfrm>
+      </p:grpSpPr>
+      <p:sp>
+        <p:nvSpPr>
+          <p:cNvPr id="2" name="Title 1">
+            <a:extLst>
+              <a:ext uri="{FF2B5EF4-FFF2-40B4-BE49-F238E27FC236}">
+                <a16:creationId xmlns:a16="http://schemas.microsoft.com/office/drawing/2014/main" id="{FDF10DF4-D03C-4D23-96DF-940F6DD6892D}"/>
+              </a:ext>
+            </a:extLst>
+          </p:cNvPr>
+          <p:cNvSpPr>
+            <a:spLocks noGrp="1"/>
+          </p:cNvSpPr>
+          <p:nvPr>
+            <p:ph type="title"/>
+          </p:nvPr>
+        </p:nvSpPr>
+        <p:spPr/>
+        <p:txBody>
+          <a:bodyPr/>
+          <a:lstStyle/>
+          <a:p>
+            <a:r>
+              <a:rPr lang="en-GB" dirty="0"/>
+              <a:t>What could have been better</a:t>
+            </a:r>
+          </a:p>
+        </p:txBody>
+      </p:sp>
+      <p:sp>
+        <p:nvSpPr>
+          <p:cNvPr id="3" name="Content Placeholder 2">
+            <a:extLst>
+              <a:ext uri="{FF2B5EF4-FFF2-40B4-BE49-F238E27FC236}">
+                <a16:creationId xmlns:a16="http://schemas.microsoft.com/office/drawing/2014/main" id="{E9861BB7-C95A-486D-96F1-9C84CABAF837}"/>
+              </a:ext>
+            </a:extLst>
+          </p:cNvPr>
+          <p:cNvSpPr>
+            <a:spLocks noGrp="1"/>
+          </p:cNvSpPr>
+          <p:nvPr>
+            <p:ph idx="1"/>
+          </p:nvPr>
+        </p:nvSpPr>
+        <p:spPr/>
+        <p:txBody>
+          <a:bodyPr/>
+          <a:lstStyle/>
+          <a:p>
+            <a:endParaRPr lang="en-GB"/>
+          </a:p>
+        </p:txBody>
+      </p:sp>
+    </p:spTree>
+    <p:extLst>
+      <p:ext uri="{BB962C8B-B14F-4D97-AF65-F5344CB8AC3E}">
+        <p14:creationId xmlns:p14="http://schemas.microsoft.com/office/powerpoint/2010/main" val="1227510291"/>
+      </p:ext>
+    </p:extLst>
+  </p:cSld>
+  <p:clrMapOvr>
+    <a:masterClrMapping/>
+  </p:clrMapOvr>
+</p:sld>
+</file>
+
+<file path=ppt/slides/slide18.xml><?xml version="1.0" encoding="utf-8"?>
+<p:sld xmlns:a="http://schemas.openxmlformats.org/drawingml/2006/main" xmlns:r="http://schemas.openxmlformats.org/officeDocument/2006/relationships" xmlns:p="http://schemas.openxmlformats.org/presentationml/2006/main">
+  <p:cSld>
+    <p:spTree>
+      <p:nvGrpSpPr>
+        <p:cNvPr id="1" name=""/>
+        <p:cNvGrpSpPr/>
+        <p:nvPr/>
+      </p:nvGrpSpPr>
+      <p:grpSpPr>
+        <a:xfrm>
+          <a:off x="0" y="0"/>
+          <a:ext cx="0" cy="0"/>
+          <a:chOff x="0" y="0"/>
+          <a:chExt cx="0" cy="0"/>
+        </a:xfrm>
+      </p:grpSpPr>
+      <p:sp>
+        <p:nvSpPr>
+          <p:cNvPr id="2" name="Title 1">
+            <a:extLst>
+              <a:ext uri="{FF2B5EF4-FFF2-40B4-BE49-F238E27FC236}">
+                <a16:creationId xmlns:a16="http://schemas.microsoft.com/office/drawing/2014/main" id="{E9BF472D-C7A6-47B3-8371-2D0BC885E353}"/>
+              </a:ext>
+            </a:extLst>
+          </p:cNvPr>
+          <p:cNvSpPr>
+            <a:spLocks noGrp="1"/>
+          </p:cNvSpPr>
+          <p:nvPr>
+            <p:ph type="title"/>
+          </p:nvPr>
+        </p:nvSpPr>
+        <p:spPr/>
+        <p:txBody>
+          <a:bodyPr/>
+          <a:lstStyle/>
+          <a:p>
+            <a:r>
+              <a:rPr lang="en-GB"/>
+              <a:t>Overall Thoughts</a:t>
+            </a:r>
+          </a:p>
+        </p:txBody>
+      </p:sp>
+      <p:sp>
+        <p:nvSpPr>
+          <p:cNvPr id="3" name="Content Placeholder 2">
+            <a:extLst>
+              <a:ext uri="{FF2B5EF4-FFF2-40B4-BE49-F238E27FC236}">
+                <a16:creationId xmlns:a16="http://schemas.microsoft.com/office/drawing/2014/main" id="{B623EA1D-1913-4C28-BFA8-AC171CC6CCB7}"/>
+              </a:ext>
+            </a:extLst>
+          </p:cNvPr>
+          <p:cNvSpPr>
+            <a:spLocks noGrp="1"/>
+          </p:cNvSpPr>
+          <p:nvPr>
+            <p:ph idx="1"/>
+          </p:nvPr>
+        </p:nvSpPr>
+        <p:spPr/>
+        <p:txBody>
+          <a:bodyPr/>
+          <a:lstStyle/>
+          <a:p>
+            <a:endParaRPr lang="en-GB"/>
+          </a:p>
+        </p:txBody>
+      </p:sp>
+    </p:spTree>
+    <p:extLst>
+      <p:ext uri="{BB962C8B-B14F-4D97-AF65-F5344CB8AC3E}">
+        <p14:creationId xmlns:p14="http://schemas.microsoft.com/office/powerpoint/2010/main" val="3833625335"/>
       </p:ext>
     </p:extLst>
   </p:cSld>

--- a/Video Presentation V3.pptx
+++ b/Video Presentation V3.pptx
@@ -4095,31 +4095,37 @@
           </a:p>
         </p:txBody>
       </p:sp>
-      <p:sp>
-        <p:nvSpPr>
-          <p:cNvPr id="3" name="Content Placeholder 2">
-            <a:extLst>
-              <a:ext uri="{FF2B5EF4-FFF2-40B4-BE49-F238E27FC236}">
-                <a16:creationId xmlns:a16="http://schemas.microsoft.com/office/drawing/2014/main" id="{E9861BB7-C95A-486D-96F1-9C84CABAF837}"/>
-              </a:ext>
-            </a:extLst>
-          </p:cNvPr>
-          <p:cNvSpPr>
-            <a:spLocks noGrp="1"/>
-          </p:cNvSpPr>
+      <p:pic>
+        <p:nvPicPr>
+          <p:cNvPr id="4" name="Content Placeholder 3">
+            <a:extLst>
+              <a:ext uri="{FF2B5EF4-FFF2-40B4-BE49-F238E27FC236}">
+                <a16:creationId xmlns:a16="http://schemas.microsoft.com/office/drawing/2014/main" id="{8C32E747-9794-462D-ABFA-035AFA4986E4}"/>
+              </a:ext>
+            </a:extLst>
+          </p:cNvPr>
+          <p:cNvPicPr>
+            <a:picLocks noGrp="1" noChangeAspect="1"/>
+          </p:cNvPicPr>
           <p:nvPr>
             <p:ph idx="1"/>
           </p:nvPr>
-        </p:nvSpPr>
-        <p:spPr/>
-        <p:txBody>
-          <a:bodyPr/>
-          <a:lstStyle/>
-          <a:p>
-            <a:endParaRPr lang="en-GB"/>
-          </a:p>
-        </p:txBody>
-      </p:sp>
+        </p:nvPicPr>
+        <p:blipFill rotWithShape="1">
+          <a:blip r:embed="rId2"/>
+          <a:srcRect t="3746"/>
+          <a:stretch/>
+        </p:blipFill>
+        <p:spPr>
+          <a:xfrm>
+            <a:off x="2373702" y="1988597"/>
+            <a:ext cx="7444596" cy="4188365"/>
+          </a:xfrm>
+          <a:prstGeom prst="rect">
+            <a:avLst/>
+          </a:prstGeom>
+        </p:spPr>
+      </p:pic>
     </p:spTree>
     <p:extLst>
       <p:ext uri="{BB962C8B-B14F-4D97-AF65-F5344CB8AC3E}">
@@ -4950,6 +4956,37 @@
               </a14:hiddenLine>
             </a:ext>
           </a:extLst>
+        </p:spPr>
+      </p:pic>
+      <p:pic>
+        <p:nvPicPr>
+          <p:cNvPr id="5" name="Content Placeholder 3">
+            <a:extLst>
+              <a:ext uri="{FF2B5EF4-FFF2-40B4-BE49-F238E27FC236}">
+                <a16:creationId xmlns:a16="http://schemas.microsoft.com/office/drawing/2014/main" id="{D59CEBE0-F685-4998-8754-179B6357B64A}"/>
+              </a:ext>
+            </a:extLst>
+          </p:cNvPr>
+          <p:cNvPicPr>
+            <a:picLocks noGrp="1" noChangeAspect="1"/>
+          </p:cNvPicPr>
+          <p:nvPr>
+            <p:ph idx="1"/>
+          </p:nvPr>
+        </p:nvPicPr>
+        <p:blipFill rotWithShape="1">
+          <a:blip r:embed="rId3"/>
+          <a:srcRect t="3746"/>
+          <a:stretch/>
+        </p:blipFill>
+        <p:spPr>
+          <a:xfrm>
+            <a:off x="3572187" y="2148395"/>
+            <a:ext cx="7444596" cy="4188365"/>
+          </a:xfrm>
+          <a:prstGeom prst="rect">
+            <a:avLst/>
+          </a:prstGeom>
         </p:spPr>
       </p:pic>
     </p:spTree>
